--- a/Fall_2019/Slides/05-Query_Optimization-2.pptx
+++ b/Fall_2019/Slides/05-Query_Optimization-2.pptx
@@ -311,7 +311,7 @@
               <a:pPr>
                 <a:defRPr/>
               </a:pPr>
-              <a:t>2018/10/24</a:t>
+              <a:t>2019/10/29</a:t>
             </a:fld>
             <a:endParaRPr lang="zh-CN" altLang="en-US"/>
           </a:p>
@@ -1380,6 +1380,91 @@
       </p:grpSpPr>
       <p:sp>
         <p:nvSpPr>
+          <p:cNvPr id="2" name="Slide Image Placeholder 1"/>
+          <p:cNvSpPr>
+            <a:spLocks noGrp="1" noRot="1" noChangeAspect="1"/>
+          </p:cNvSpPr>
+          <p:nvPr>
+            <p:ph type="sldImg"/>
+          </p:nvPr>
+        </p:nvSpPr>
+        <p:spPr/>
+      </p:sp>
+      <p:sp>
+        <p:nvSpPr>
+          <p:cNvPr id="3" name="Notes Placeholder 2"/>
+          <p:cNvSpPr>
+            <a:spLocks noGrp="1"/>
+          </p:cNvSpPr>
+          <p:nvPr>
+            <p:ph type="body" idx="1"/>
+          </p:nvPr>
+        </p:nvSpPr>
+        <p:spPr/>
+        <p:txBody>
+          <a:bodyPr/>
+          <a:lstStyle/>
+          <a:p>
+            <a:endParaRPr lang="en-US" dirty="0"/>
+          </a:p>
+        </p:txBody>
+      </p:sp>
+      <p:sp>
+        <p:nvSpPr>
+          <p:cNvPr id="4" name="Slide Number Placeholder 3"/>
+          <p:cNvSpPr>
+            <a:spLocks noGrp="1"/>
+          </p:cNvSpPr>
+          <p:nvPr>
+            <p:ph type="sldNum" sz="quarter" idx="10"/>
+          </p:nvPr>
+        </p:nvSpPr>
+        <p:spPr/>
+        <p:txBody>
+          <a:bodyPr/>
+          <a:lstStyle/>
+          <a:p>
+            <a:fld id="{6C971937-01E6-CA41-820A-752F64313A38}" type="slidenum">
+              <a:rPr lang="zh-CN" altLang="en-US" smtClean="0"/>
+              <a:pPr/>
+              <a:t>31</a:t>
+            </a:fld>
+            <a:endParaRPr lang="zh-CN" altLang="en-US"/>
+          </a:p>
+        </p:txBody>
+      </p:sp>
+    </p:spTree>
+    <p:extLst>
+      <p:ext uri="{BB962C8B-B14F-4D97-AF65-F5344CB8AC3E}">
+        <p14:creationId xmlns:p14="http://schemas.microsoft.com/office/powerpoint/2010/main" val="352154792"/>
+      </p:ext>
+    </p:extLst>
+  </p:cSld>
+  <p:clrMapOvr>
+    <a:masterClrMapping/>
+  </p:clrMapOvr>
+</p:notes>
+</file>
+
+<file path=ppt/notesSlides/notesSlide5.xml><?xml version="1.0" encoding="utf-8"?>
+<p:notes xmlns:a="http://schemas.openxmlformats.org/drawingml/2006/main" xmlns:r="http://schemas.openxmlformats.org/officeDocument/2006/relationships" xmlns:p="http://schemas.openxmlformats.org/presentationml/2006/main">
+  <p:cSld>
+    <p:spTree>
+      <p:nvGrpSpPr>
+        <p:cNvPr id="1" name=""/>
+        <p:cNvGrpSpPr/>
+        <p:nvPr/>
+      </p:nvGrpSpPr>
+      <p:grpSpPr>
+        <a:xfrm>
+          <a:off x="0" y="0"/>
+          <a:ext cx="0" cy="0"/>
+          <a:chOff x="0" y="0"/>
+          <a:chExt cx="0" cy="0"/>
+        </a:xfrm>
+      </p:grpSpPr>
+      <p:sp>
+        <p:nvSpPr>
           <p:cNvPr id="67586" name="幻灯片图像占位符 1"/>
           <p:cNvSpPr>
             <a:spLocks noGrp="1" noRot="1" noChangeAspect="1" noTextEdit="1"/>
@@ -1900,7 +1985,7 @@
               <a:pPr>
                 <a:defRPr/>
               </a:pPr>
-              <a:t>2018/10/24</a:t>
+              <a:t>2019/10/29</a:t>
             </a:fld>
             <a:endParaRPr lang="zh-CN" altLang="en-US"/>
           </a:p>
@@ -2101,7 +2186,7 @@
               <a:pPr>
                 <a:defRPr/>
               </a:pPr>
-              <a:t>2018/10/24</a:t>
+              <a:t>2019/10/29</a:t>
             </a:fld>
             <a:endParaRPr lang="zh-CN" altLang="en-US"/>
           </a:p>
@@ -2311,7 +2396,7 @@
               <a:pPr>
                 <a:defRPr/>
               </a:pPr>
-              <a:t>2018/10/24</a:t>
+              <a:t>2019/10/29</a:t>
             </a:fld>
             <a:endParaRPr lang="zh-CN" altLang="en-US"/>
           </a:p>
@@ -2511,7 +2596,7 @@
               <a:pPr>
                 <a:defRPr/>
               </a:pPr>
-              <a:t>2018/10/24</a:t>
+              <a:t>2019/10/29</a:t>
             </a:fld>
             <a:endParaRPr lang="zh-CN" altLang="en-US"/>
           </a:p>
@@ -3034,7 +3119,7 @@
               <a:pPr>
                 <a:defRPr/>
               </a:pPr>
-              <a:t>2018/10/24</a:t>
+              <a:t>2019/10/29</a:t>
             </a:fld>
             <a:endParaRPr lang="zh-CN" altLang="en-US"/>
           </a:p>
@@ -3334,7 +3419,7 @@
               <a:pPr>
                 <a:defRPr/>
               </a:pPr>
-              <a:t>2018/10/24</a:t>
+              <a:t>2019/10/29</a:t>
             </a:fld>
             <a:endParaRPr lang="zh-CN" altLang="en-US"/>
           </a:p>
@@ -3849,7 +3934,7 @@
               <a:pPr>
                 <a:defRPr/>
               </a:pPr>
-              <a:t>2018/10/24</a:t>
+              <a:t>2019/10/29</a:t>
             </a:fld>
             <a:endParaRPr lang="zh-CN" altLang="en-US"/>
           </a:p>
@@ -4001,7 +4086,7 @@
               <a:pPr>
                 <a:defRPr/>
               </a:pPr>
-              <a:t>2018/10/24</a:t>
+              <a:t>2019/10/29</a:t>
             </a:fld>
             <a:endParaRPr lang="zh-CN" altLang="en-US"/>
           </a:p>
@@ -4246,7 +4331,7 @@
               <a:pPr>
                 <a:defRPr/>
               </a:pPr>
-              <a:t>2018/10/24</a:t>
+              <a:t>2019/10/29</a:t>
             </a:fld>
             <a:endParaRPr lang="zh-CN" altLang="en-US"/>
           </a:p>
@@ -4539,7 +4624,7 @@
               <a:pPr>
                 <a:defRPr/>
               </a:pPr>
-              <a:t>2018/10/24</a:t>
+              <a:t>2019/10/29</a:t>
             </a:fld>
             <a:endParaRPr lang="zh-CN" altLang="en-US"/>
           </a:p>
@@ -5006,7 +5091,7 @@
               <a:pPr>
                 <a:defRPr/>
               </a:pPr>
-              <a:t>2018/10/24</a:t>
+              <a:t>2019/10/29</a:t>
             </a:fld>
             <a:endParaRPr lang="zh-CN" altLang="en-US"/>
           </a:p>
@@ -5573,7 +5658,7 @@
               <a:pPr>
                 <a:defRPr/>
               </a:pPr>
-              <a:t>2018/10/24</a:t>
+              <a:t>2019/10/29</a:t>
             </a:fld>
             <a:endParaRPr lang="zh-CN" altLang="en-US"/>
           </a:p>
@@ -7037,6 +7122,13 @@
   <p:clrMapOvr>
     <a:masterClrMapping/>
   </p:clrMapOvr>
+  <p:timing>
+    <p:tnLst>
+      <p:par>
+        <p:cTn id="1" dur="indefinite" restart="never" nodeType="tmRoot"/>
+      </p:par>
+    </p:tnLst>
+  </p:timing>
 </p:sld>
 </file>
 
@@ -7490,7 +7582,7 @@
           <a:graphicData uri="http://schemas.openxmlformats.org/presentationml/2006/ole">
             <mc:AlternateContent xmlns:mc="http://schemas.openxmlformats.org/markup-compatibility/2006">
               <mc:Choice xmlns:v="urn:schemas-microsoft-com:vml" Requires="v">
-                <p:oleObj spid="_x0000_s11358" name="公式" r:id="rId3" imgW="152280" imgH="139680" progId="Equation.3">
+                <p:oleObj spid="_x0000_s11367" name="公式" r:id="rId3" imgW="152280" imgH="139680" progId="Equation.3">
                   <p:embed/>
                 </p:oleObj>
               </mc:Choice>
@@ -7585,7 +7677,7 @@
           <a:graphicData uri="http://schemas.openxmlformats.org/presentationml/2006/ole">
             <mc:AlternateContent xmlns:mc="http://schemas.openxmlformats.org/markup-compatibility/2006">
               <mc:Choice xmlns:v="urn:schemas-microsoft-com:vml" Requires="v">
-                <p:oleObj spid="_x0000_s11359" name="公式" r:id="rId5" imgW="152280" imgH="139680" progId="Equation.3">
+                <p:oleObj spid="_x0000_s11368" name="公式" r:id="rId5" imgW="152280" imgH="139680" progId="Equation.3">
                   <p:embed/>
                 </p:oleObj>
               </mc:Choice>
@@ -7669,6 +7761,13 @@
   <p:clrMapOvr>
     <a:masterClrMapping/>
   </p:clrMapOvr>
+  <p:timing>
+    <p:tnLst>
+      <p:par>
+        <p:cTn id="1" dur="indefinite" restart="never" nodeType="tmRoot"/>
+      </p:par>
+    </p:tnLst>
+  </p:timing>
 </p:sld>
 </file>
 
@@ -8162,6 +8261,13 @@
   <p:clrMapOvr>
     <a:masterClrMapping/>
   </p:clrMapOvr>
+  <p:timing>
+    <p:tnLst>
+      <p:par>
+        <p:cTn id="1" dur="indefinite" restart="never" nodeType="tmRoot"/>
+      </p:par>
+    </p:tnLst>
+  </p:timing>
 </p:sld>
 </file>
 
@@ -8594,6 +8700,13 @@
   <p:clrMapOvr>
     <a:masterClrMapping/>
   </p:clrMapOvr>
+  <p:timing>
+    <p:tnLst>
+      <p:par>
+        <p:cTn id="1" dur="indefinite" restart="never" nodeType="tmRoot"/>
+      </p:par>
+    </p:tnLst>
+  </p:timing>
 </p:sld>
 </file>
 
@@ -9169,6 +9282,13 @@
   <p:clrMapOvr>
     <a:masterClrMapping/>
   </p:clrMapOvr>
+  <p:timing>
+    <p:tnLst>
+      <p:par>
+        <p:cTn id="1" dur="indefinite" restart="never" nodeType="tmRoot"/>
+      </p:par>
+    </p:tnLst>
+  </p:timing>
 </p:sld>
 </file>
 
@@ -9774,6 +9894,13 @@
   <p:clrMapOvr>
     <a:masterClrMapping/>
   </p:clrMapOvr>
+  <p:timing>
+    <p:tnLst>
+      <p:par>
+        <p:cTn id="1" dur="indefinite" restart="never" nodeType="tmRoot"/>
+      </p:par>
+    </p:tnLst>
+  </p:timing>
 </p:sld>
 </file>
 
@@ -10718,6 +10845,13 @@
   <p:clrMapOvr>
     <a:masterClrMapping/>
   </p:clrMapOvr>
+  <p:timing>
+    <p:tnLst>
+      <p:par>
+        <p:cTn id="1" dur="indefinite" restart="never" nodeType="tmRoot"/>
+      </p:par>
+    </p:tnLst>
+  </p:timing>
 </p:sld>
 </file>
 
@@ -11080,7 +11214,7 @@
           <a:graphicData uri="http://schemas.openxmlformats.org/presentationml/2006/ole">
             <mc:AlternateContent xmlns:mc="http://schemas.openxmlformats.org/markup-compatibility/2006">
               <mc:Choice xmlns:v="urn:schemas-microsoft-com:vml" Requires="v">
-                <p:oleObj spid="_x0000_s12339" name="Equation" r:id="rId3" imgW="1600200" imgH="279360" progId="Equation.DSMT4">
+                <p:oleObj spid="_x0000_s12344" name="Equation" r:id="rId3" imgW="1600200" imgH="279360" progId="Equation.DSMT4">
                   <p:embed/>
                 </p:oleObj>
               </mc:Choice>
@@ -11630,6 +11764,13 @@
   <p:clrMapOvr>
     <a:masterClrMapping/>
   </p:clrMapOvr>
+  <p:timing>
+    <p:tnLst>
+      <p:par>
+        <p:cTn id="1" dur="indefinite" restart="never" nodeType="tmRoot"/>
+      </p:par>
+    </p:tnLst>
+  </p:timing>
 </p:sld>
 </file>
 
@@ -14173,6 +14314,13 @@
   <p:clrMapOvr>
     <a:masterClrMapping/>
   </p:clrMapOvr>
+  <p:timing>
+    <p:tnLst>
+      <p:par>
+        <p:cTn id="1" dur="indefinite" restart="never" nodeType="tmRoot"/>
+      </p:par>
+    </p:tnLst>
+  </p:timing>
 </p:sld>
 </file>
 
@@ -18228,6 +18376,13 @@
   <p:clrMapOvr>
     <a:masterClrMapping/>
   </p:clrMapOvr>
+  <p:timing>
+    <p:tnLst>
+      <p:par>
+        <p:cTn id="1" dur="indefinite" restart="never" nodeType="tmRoot"/>
+      </p:par>
+    </p:tnLst>
+  </p:timing>
 </p:sld>
 </file>
 
@@ -18681,45 +18836,53 @@
           <a:p>
             <a:pPr eaLnBrk="1" hangingPunct="1"/>
             <a:r>
-              <a:rPr lang="en-US" altLang="zh-CN"/>
+              <a:rPr lang="en-US" altLang="zh-CN" dirty="0"/>
               <a:t>Example</a:t>
             </a:r>
           </a:p>
           <a:p>
             <a:pPr lvl="1" eaLnBrk="1" hangingPunct="1"/>
             <a:r>
-              <a:rPr lang="en-US" altLang="zh-CN"/>
+              <a:rPr lang="en-US" altLang="zh-CN" dirty="0"/>
               <a:t>Suppose</a:t>
             </a:r>
-            <a:endParaRPr lang="zh-CN" altLang="en-US"/>
+            <a:endParaRPr lang="zh-CN" altLang="en-US" dirty="0"/>
           </a:p>
           <a:p>
             <a:pPr lvl="2" eaLnBrk="1" hangingPunct="1"/>
             <a:r>
-              <a:rPr lang="en-US" altLang="zh-CN"/>
+              <a:rPr lang="en-US" altLang="zh-CN" dirty="0"/>
               <a:t>EMP (E) is indexed on ENO</a:t>
             </a:r>
-            <a:endParaRPr lang="zh-CN" altLang="en-US"/>
+            <a:endParaRPr lang="zh-CN" altLang="en-US" dirty="0"/>
           </a:p>
           <a:p>
             <a:pPr lvl="2" eaLnBrk="1" hangingPunct="1"/>
             <a:r>
-              <a:rPr lang="en-US" altLang="zh-CN"/>
+              <a:rPr lang="en-US" altLang="zh-CN" dirty="0"/>
               <a:t>ASG (G) is indexed on PNO</a:t>
             </a:r>
-            <a:endParaRPr lang="zh-CN" altLang="en-US"/>
+            <a:endParaRPr lang="zh-CN" altLang="en-US" dirty="0"/>
           </a:p>
           <a:p>
             <a:pPr lvl="2" eaLnBrk="1" hangingPunct="1"/>
             <a:r>
-              <a:rPr lang="en-US" altLang="zh-CN"/>
-              <a:t>PROJ (J) is indexed on PNO, and indexed on PNAME</a:t>
-            </a:r>
-            <a:endParaRPr lang="zh-CN" altLang="en-US"/>
+              <a:rPr lang="en-US" altLang="zh-CN" dirty="0"/>
+              <a:t>PROJ (J) is </a:t>
+            </a:r>
+            <a:r>
+              <a:rPr lang="en-US" altLang="zh-CN" dirty="0" smtClean="0"/>
+              <a:t>indexed </a:t>
+            </a:r>
+            <a:r>
+              <a:rPr lang="en-US" altLang="zh-CN" dirty="0"/>
+              <a:t>on PNAME</a:t>
+            </a:r>
+            <a:endParaRPr lang="zh-CN" altLang="en-US" dirty="0"/>
           </a:p>
           <a:p>
             <a:pPr eaLnBrk="1" hangingPunct="1"/>
-            <a:endParaRPr lang="en-US" altLang="zh-CN"/>
+            <a:endParaRPr lang="en-US" altLang="zh-CN" dirty="0"/>
           </a:p>
           <a:p>
             <a:pPr eaLnBrk="1" hangingPunct="1">
@@ -18727,10 +18890,10 @@
               <a:buNone/>
             </a:pPr>
             <a:r>
-              <a:rPr lang="en-US" altLang="zh-CN"/>
+              <a:rPr lang="en-US" altLang="zh-CN" dirty="0"/>
               <a:t>	</a:t>
             </a:r>
-            <a:endParaRPr lang="zh-CN" altLang="en-US"/>
+            <a:endParaRPr lang="zh-CN" altLang="en-US" dirty="0"/>
           </a:p>
         </p:txBody>
       </p:sp>
@@ -21647,7 +21810,7 @@
           <a:graphicData uri="http://schemas.openxmlformats.org/presentationml/2006/ole">
             <mc:AlternateContent xmlns:mc="http://schemas.openxmlformats.org/markup-compatibility/2006">
               <mc:Choice xmlns:v="urn:schemas-microsoft-com:vml" Requires="v">
-                <p:oleObj spid="_x0000_s95275" name="Equation" r:id="rId3" imgW="901440" imgH="241200" progId="Equation.DSMT4">
+                <p:oleObj spid="_x0000_s95280" name="Equation" r:id="rId3" imgW="901440" imgH="241200" progId="Equation.DSMT4">
                   <p:embed/>
                 </p:oleObj>
               </mc:Choice>
@@ -22030,6 +22193,13 @@
   <p:clrMapOvr>
     <a:masterClrMapping/>
   </p:clrMapOvr>
+  <p:timing>
+    <p:tnLst>
+      <p:par>
+        <p:cTn id="1" dur="indefinite" restart="never" nodeType="tmRoot"/>
+      </p:par>
+    </p:tnLst>
+  </p:timing>
 </p:sld>
 </file>
 
@@ -22535,7 +22705,7 @@
           <a:graphicData uri="http://schemas.openxmlformats.org/presentationml/2006/ole">
             <mc:AlternateContent xmlns:mc="http://schemas.openxmlformats.org/markup-compatibility/2006">
               <mc:Choice xmlns:v="urn:schemas-microsoft-com:vml" Requires="v">
-                <p:oleObj spid="_x0000_s96299" name="Equation" r:id="rId3" imgW="1879600" imgH="419100" progId="Equation.DSMT4">
+                <p:oleObj spid="_x0000_s96304" name="Equation" r:id="rId3" imgW="1879600" imgH="419100" progId="Equation.DSMT4">
                   <p:embed/>
                 </p:oleObj>
               </mc:Choice>
@@ -23177,7 +23347,7 @@
           <a:graphicData uri="http://schemas.openxmlformats.org/presentationml/2006/ole">
             <mc:AlternateContent xmlns:mc="http://schemas.openxmlformats.org/markup-compatibility/2006">
               <mc:Choice xmlns:v="urn:schemas-microsoft-com:vml" Requires="v">
-                <p:oleObj spid="_x0000_s97323" name="Equation" r:id="rId3" imgW="3378200" imgH="2489200" progId="Equation.DSMT4">
+                <p:oleObj spid="_x0000_s97328" name="Equation" r:id="rId3" imgW="3378200" imgH="2489200" progId="Equation.DSMT4">
                   <p:embed/>
                 </p:oleObj>
               </mc:Choice>
@@ -23819,7 +23989,7 @@
           <a:graphicData uri="http://schemas.openxmlformats.org/presentationml/2006/ole">
             <mc:AlternateContent xmlns:mc="http://schemas.openxmlformats.org/markup-compatibility/2006">
               <mc:Choice xmlns:v="urn:schemas-microsoft-com:vml" Requires="v">
-                <p:oleObj spid="_x0000_s98387" name="Equation" r:id="rId3" imgW="1498600" imgH="203200" progId="Equation.DSMT4">
+                <p:oleObj spid="_x0000_s98396" name="Equation" r:id="rId3" imgW="1498600" imgH="203200" progId="Equation.DSMT4">
                   <p:embed/>
                 </p:oleObj>
               </mc:Choice>
@@ -24364,7 +24534,7 @@
           <a:graphicData uri="http://schemas.openxmlformats.org/presentationml/2006/ole">
             <mc:AlternateContent xmlns:mc="http://schemas.openxmlformats.org/markup-compatibility/2006">
               <mc:Choice xmlns:v="urn:schemas-microsoft-com:vml" Requires="v">
-                <p:oleObj spid="_x0000_s98388" name="Equation" r:id="rId5" imgW="952500" imgH="203200" progId="Equation.DSMT4">
+                <p:oleObj spid="_x0000_s98397" name="Equation" r:id="rId5" imgW="952500" imgH="203200" progId="Equation.DSMT4">
                   <p:embed/>
                 </p:oleObj>
               </mc:Choice>
@@ -25233,7 +25403,7 @@
           <a:graphicData uri="http://schemas.openxmlformats.org/presentationml/2006/ole">
             <mc:AlternateContent xmlns:mc="http://schemas.openxmlformats.org/markup-compatibility/2006">
               <mc:Choice xmlns:v="urn:schemas-microsoft-com:vml" Requires="v">
-                <p:oleObj spid="_x0000_s99371" name="Equation" r:id="rId3" imgW="2031840" imgH="203040" progId="Equation.DSMT4">
+                <p:oleObj spid="_x0000_s99376" name="Equation" r:id="rId3" imgW="2031840" imgH="203040" progId="Equation.DSMT4">
                   <p:embed/>
                 </p:oleObj>
               </mc:Choice>
@@ -25909,7 +26079,7 @@
           <a:graphicData uri="http://schemas.openxmlformats.org/presentationml/2006/ole">
             <mc:AlternateContent xmlns:mc="http://schemas.openxmlformats.org/markup-compatibility/2006">
               <mc:Choice xmlns:v="urn:schemas-microsoft-com:vml" Requires="v">
-                <p:oleObj spid="_x0000_s100435" name="Equation" r:id="rId3" imgW="2145369" imgH="203112" progId="Equation.DSMT4">
+                <p:oleObj spid="_x0000_s100444" name="Equation" r:id="rId3" imgW="2145369" imgH="203112" progId="Equation.DSMT4">
                   <p:embed/>
                 </p:oleObj>
               </mc:Choice>
@@ -26293,7 +26463,7 @@
           <a:graphicData uri="http://schemas.openxmlformats.org/presentationml/2006/ole">
             <mc:AlternateContent xmlns:mc="http://schemas.openxmlformats.org/markup-compatibility/2006">
               <mc:Choice xmlns:v="urn:schemas-microsoft-com:vml" Requires="v">
-                <p:oleObj spid="_x0000_s100436" name="Equation" r:id="rId5" imgW="2400120" imgH="203040" progId="Equation.DSMT4">
+                <p:oleObj spid="_x0000_s100445" name="Equation" r:id="rId5" imgW="2400120" imgH="203040" progId="Equation.DSMT4">
                   <p:embed/>
                 </p:oleObj>
               </mc:Choice>
@@ -26983,7 +27153,7 @@
           <a:graphicData uri="http://schemas.openxmlformats.org/presentationml/2006/ole">
             <mc:AlternateContent xmlns:mc="http://schemas.openxmlformats.org/markup-compatibility/2006">
               <mc:Choice xmlns:v="urn:schemas-microsoft-com:vml" Requires="v">
-                <p:oleObj spid="_x0000_s101419" name="Equation" r:id="rId3" imgW="1473200" imgH="203200" progId="Equation.DSMT4">
+                <p:oleObj spid="_x0000_s101424" name="Equation" r:id="rId3" imgW="1473200" imgH="203200" progId="Equation.DSMT4">
                   <p:embed/>
                 </p:oleObj>
               </mc:Choice>
@@ -28074,7 +28244,7 @@
           <a:graphicData uri="http://schemas.openxmlformats.org/presentationml/2006/ole">
             <mc:AlternateContent xmlns:mc="http://schemas.openxmlformats.org/markup-compatibility/2006">
               <mc:Choice xmlns:v="urn:schemas-microsoft-com:vml" Requires="v">
-                <p:oleObj spid="_x0000_s103507" name="Equation" r:id="rId3" imgW="1777680" imgH="253800" progId="Equation.DSMT4">
+                <p:oleObj spid="_x0000_s103516" name="Equation" r:id="rId3" imgW="1777680" imgH="253800" progId="Equation.DSMT4">
                   <p:embed/>
                 </p:oleObj>
               </mc:Choice>
@@ -28508,7 +28678,7 @@
           <a:graphicData uri="http://schemas.openxmlformats.org/presentationml/2006/ole">
             <mc:AlternateContent xmlns:mc="http://schemas.openxmlformats.org/markup-compatibility/2006">
               <mc:Choice xmlns:v="urn:schemas-microsoft-com:vml" Requires="v">
-                <p:oleObj spid="_x0000_s103508" name="Equation" r:id="rId5" imgW="3073320" imgH="253800" progId="Equation.DSMT4">
+                <p:oleObj spid="_x0000_s103517" name="Equation" r:id="rId5" imgW="3073320" imgH="253800" progId="Equation.DSMT4">
                   <p:embed/>
                 </p:oleObj>
               </mc:Choice>
@@ -29388,6 +29558,13 @@
   <p:clrMapOvr>
     <a:masterClrMapping/>
   </p:clrMapOvr>
+  <p:timing>
+    <p:tnLst>
+      <p:par>
+        <p:cTn id="1" dur="indefinite" restart="never" nodeType="tmRoot"/>
+      </p:par>
+    </p:tnLst>
+  </p:timing>
 </p:sld>
 </file>
 
@@ -30591,6 +30768,13 @@
   <p:clrMapOvr>
     <a:masterClrMapping/>
   </p:clrMapOvr>
+  <p:timing>
+    <p:tnLst>
+      <p:par>
+        <p:cTn id="1" dur="indefinite" restart="never" nodeType="tmRoot"/>
+      </p:par>
+    </p:tnLst>
+  </p:timing>
 </p:sld>
 </file>
 
@@ -30855,7 +31039,7 @@
           <a:graphicData uri="http://schemas.openxmlformats.org/presentationml/2006/ole">
             <mc:AlternateContent xmlns:mc="http://schemas.openxmlformats.org/markup-compatibility/2006">
               <mc:Choice xmlns:v="urn:schemas-microsoft-com:vml" Requires="v">
-                <p:oleObj spid="_x0000_s10337" name="Equation" r:id="rId3" imgW="609336" imgH="203112" progId="Equation.DSMT4">
+                <p:oleObj spid="_x0000_s10346" name="Equation" r:id="rId3" imgW="609336" imgH="203112" progId="Equation.DSMT4">
                   <p:embed/>
                 </p:oleObj>
               </mc:Choice>
@@ -30925,7 +31109,7 @@
           <a:graphicData uri="http://schemas.openxmlformats.org/presentationml/2006/ole">
             <mc:AlternateContent xmlns:mc="http://schemas.openxmlformats.org/markup-compatibility/2006">
               <mc:Choice xmlns:v="urn:schemas-microsoft-com:vml" Requires="v">
-                <p:oleObj spid="_x0000_s10338" name="Equation" r:id="rId5" imgW="1168200" imgH="228600" progId="Equation.DSMT4">
+                <p:oleObj spid="_x0000_s10347" name="Equation" r:id="rId5" imgW="1168200" imgH="228600" progId="Equation.DSMT4">
                   <p:embed/>
                 </p:oleObj>
               </mc:Choice>
@@ -31596,6 +31780,13 @@
   <p:clrMapOvr>
     <a:masterClrMapping/>
   </p:clrMapOvr>
+  <p:timing>
+    <p:tnLst>
+      <p:par>
+        <p:cTn id="1" dur="indefinite" restart="never" nodeType="tmRoot"/>
+      </p:par>
+    </p:tnLst>
+  </p:timing>
 </p:sld>
 </file>
 
